--- a/SeedStars.pptx
+++ b/SeedStars.pptx
@@ -3947,8 +3947,18 @@
               <a:t>on</a:t>
             </a:r>
             <a:r>
-              <a:rPr lang="pt-BR" dirty="0" smtClean="0"/>
-              <a:t> GitHub: colocar o link </a:t>
+              <a:rPr lang="pt-BR" smtClean="0"/>
+              <a:t> </a:t>
+            </a:r>
+            <a:r>
+              <a:rPr lang="pt-BR" smtClean="0">
+                <a:hlinkClick r:id="rId2"/>
+              </a:rPr>
+              <a:t>GitHub</a:t>
+            </a:r>
+            <a:r>
+              <a:rPr lang="pt-BR" dirty="0"/>
+              <a:t>.</a:t>
             </a:r>
             <a:endParaRPr lang="pt-BR" dirty="0"/>
           </a:p>
